--- a/ppt 16-9/0595.主爱奇妙.pptx
+++ b/ppt 16-9/0595.主爱奇妙.pptx
@@ -129,7 +129,7 @@
           <p:cNvPr id="2" name="标题 1">
             <a:extLst>
               <a:ext uri="{FF2B5EF4-FFF2-40B4-BE49-F238E27FC236}">
-                <a16:creationId xmlns:a16="http://schemas.microsoft.com/office/drawing/2014/main" id="{19EBBB0E-F579-2383-92B0-9CFDB05112DA}"/>
+                <a16:creationId xmlns:a16="http://schemas.microsoft.com/office/drawing/2014/main" id="{05FBB107-C988-EA72-64A5-B00B051296EB}"/>
               </a:ext>
             </a:extLst>
           </p:cNvPr>
@@ -166,7 +166,7 @@
           <p:cNvPr id="3" name="副标题 2">
             <a:extLst>
               <a:ext uri="{FF2B5EF4-FFF2-40B4-BE49-F238E27FC236}">
-                <a16:creationId xmlns:a16="http://schemas.microsoft.com/office/drawing/2014/main" id="{CF8D5926-FA57-3A2F-7D9C-FBD2C5A4C098}"/>
+                <a16:creationId xmlns:a16="http://schemas.microsoft.com/office/drawing/2014/main" id="{11584BE6-BCB7-38AB-A92F-A0C067B6BC12}"/>
               </a:ext>
             </a:extLst>
           </p:cNvPr>
@@ -236,7 +236,7 @@
           <p:cNvPr id="4" name="日期占位符 3">
             <a:extLst>
               <a:ext uri="{FF2B5EF4-FFF2-40B4-BE49-F238E27FC236}">
-                <a16:creationId xmlns:a16="http://schemas.microsoft.com/office/drawing/2014/main" id="{6826407C-E225-6232-12B5-C1521B91FCBE}"/>
+                <a16:creationId xmlns:a16="http://schemas.microsoft.com/office/drawing/2014/main" id="{3788A443-972C-D531-66CA-B0D3A70D8A11}"/>
               </a:ext>
             </a:extLst>
           </p:cNvPr>
@@ -252,7 +252,7 @@
           <a:bodyPr/>
           <a:lstStyle/>
           <a:p>
-            <a:fld id="{08DDE0DF-59B6-48E8-B764-0E31D232183F}" type="datetimeFigureOut">
+            <a:fld id="{69C68AC1-022C-4279-954F-46BEDB547BBD}" type="datetimeFigureOut">
               <a:rPr lang="zh-CN" altLang="en-US" smtClean="0"/>
               <a:t>2024/3/10</a:t>
             </a:fld>
@@ -265,7 +265,7 @@
           <p:cNvPr id="5" name="页脚占位符 4">
             <a:extLst>
               <a:ext uri="{FF2B5EF4-FFF2-40B4-BE49-F238E27FC236}">
-                <a16:creationId xmlns:a16="http://schemas.microsoft.com/office/drawing/2014/main" id="{3ED929F0-B619-E189-C20D-8F7AAEEACF49}"/>
+                <a16:creationId xmlns:a16="http://schemas.microsoft.com/office/drawing/2014/main" id="{233BED10-FE2C-88E7-F12E-4675C3BF1664}"/>
               </a:ext>
             </a:extLst>
           </p:cNvPr>
@@ -290,7 +290,7 @@
           <p:cNvPr id="6" name="灯片编号占位符 5">
             <a:extLst>
               <a:ext uri="{FF2B5EF4-FFF2-40B4-BE49-F238E27FC236}">
-                <a16:creationId xmlns:a16="http://schemas.microsoft.com/office/drawing/2014/main" id="{244A2CD4-A99D-D169-9302-AAF15DCA5302}"/>
+                <a16:creationId xmlns:a16="http://schemas.microsoft.com/office/drawing/2014/main" id="{5A078309-6CB4-C8B4-E0E7-03C19831327D}"/>
               </a:ext>
             </a:extLst>
           </p:cNvPr>
@@ -306,7 +306,7 @@
           <a:bodyPr/>
           <a:lstStyle/>
           <a:p>
-            <a:fld id="{EC076AD3-2811-4E61-AC5E-2E00EC0D90B4}" type="slidenum">
+            <a:fld id="{9E09F0A8-AE58-4BC2-A8D0-07D6485CCD29}" type="slidenum">
               <a:rPr lang="zh-CN" altLang="en-US" smtClean="0"/>
               <a:t>‹#›</a:t>
             </a:fld>
@@ -317,7 +317,7 @@
     </p:spTree>
     <p:extLst>
       <p:ext uri="{BB962C8B-B14F-4D97-AF65-F5344CB8AC3E}">
-        <p14:creationId xmlns:p14="http://schemas.microsoft.com/office/powerpoint/2010/main" val="3754272439"/>
+        <p14:creationId xmlns:p14="http://schemas.microsoft.com/office/powerpoint/2010/main" val="2061724430"/>
       </p:ext>
     </p:extLst>
   </p:cSld>
@@ -349,7 +349,7 @@
           <p:cNvPr id="2" name="标题 1">
             <a:extLst>
               <a:ext uri="{FF2B5EF4-FFF2-40B4-BE49-F238E27FC236}">
-                <a16:creationId xmlns:a16="http://schemas.microsoft.com/office/drawing/2014/main" id="{E8DD8258-B485-2966-3E27-EC8AFF909769}"/>
+                <a16:creationId xmlns:a16="http://schemas.microsoft.com/office/drawing/2014/main" id="{75AAF91C-48F9-2B8E-8B73-B14315B54192}"/>
               </a:ext>
             </a:extLst>
           </p:cNvPr>
@@ -377,7 +377,7 @@
           <p:cNvPr id="3" name="竖排文字占位符 2">
             <a:extLst>
               <a:ext uri="{FF2B5EF4-FFF2-40B4-BE49-F238E27FC236}">
-                <a16:creationId xmlns:a16="http://schemas.microsoft.com/office/drawing/2014/main" id="{B828C74F-670F-555E-EFE0-53B7E3CB89A9}"/>
+                <a16:creationId xmlns:a16="http://schemas.microsoft.com/office/drawing/2014/main" id="{197C3411-D157-A5AA-F16B-5B60DCC3CB7D}"/>
               </a:ext>
             </a:extLst>
           </p:cNvPr>
@@ -434,7 +434,7 @@
           <p:cNvPr id="4" name="日期占位符 3">
             <a:extLst>
               <a:ext uri="{FF2B5EF4-FFF2-40B4-BE49-F238E27FC236}">
-                <a16:creationId xmlns:a16="http://schemas.microsoft.com/office/drawing/2014/main" id="{C3F1BDE1-3706-A206-D4DE-B449156BD9F3}"/>
+                <a16:creationId xmlns:a16="http://schemas.microsoft.com/office/drawing/2014/main" id="{0268D92F-1873-128F-7A11-3E5182692245}"/>
               </a:ext>
             </a:extLst>
           </p:cNvPr>
@@ -450,7 +450,7 @@
           <a:bodyPr/>
           <a:lstStyle/>
           <a:p>
-            <a:fld id="{08DDE0DF-59B6-48E8-B764-0E31D232183F}" type="datetimeFigureOut">
+            <a:fld id="{69C68AC1-022C-4279-954F-46BEDB547BBD}" type="datetimeFigureOut">
               <a:rPr lang="zh-CN" altLang="en-US" smtClean="0"/>
               <a:t>2024/3/10</a:t>
             </a:fld>
@@ -463,7 +463,7 @@
           <p:cNvPr id="5" name="页脚占位符 4">
             <a:extLst>
               <a:ext uri="{FF2B5EF4-FFF2-40B4-BE49-F238E27FC236}">
-                <a16:creationId xmlns:a16="http://schemas.microsoft.com/office/drawing/2014/main" id="{D66729B9-A2D9-E22E-1632-8D31C25AE442}"/>
+                <a16:creationId xmlns:a16="http://schemas.microsoft.com/office/drawing/2014/main" id="{3528E934-91AC-9CA3-006D-4282025DF280}"/>
               </a:ext>
             </a:extLst>
           </p:cNvPr>
@@ -488,7 +488,7 @@
           <p:cNvPr id="6" name="灯片编号占位符 5">
             <a:extLst>
               <a:ext uri="{FF2B5EF4-FFF2-40B4-BE49-F238E27FC236}">
-                <a16:creationId xmlns:a16="http://schemas.microsoft.com/office/drawing/2014/main" id="{086B5236-61D2-18DD-1C34-B6AE088CC01E}"/>
+                <a16:creationId xmlns:a16="http://schemas.microsoft.com/office/drawing/2014/main" id="{57A24043-2690-36FA-23FC-6FC58A607032}"/>
               </a:ext>
             </a:extLst>
           </p:cNvPr>
@@ -504,7 +504,7 @@
           <a:bodyPr/>
           <a:lstStyle/>
           <a:p>
-            <a:fld id="{EC076AD3-2811-4E61-AC5E-2E00EC0D90B4}" type="slidenum">
+            <a:fld id="{9E09F0A8-AE58-4BC2-A8D0-07D6485CCD29}" type="slidenum">
               <a:rPr lang="zh-CN" altLang="en-US" smtClean="0"/>
               <a:t>‹#›</a:t>
             </a:fld>
@@ -515,7 +515,7 @@
     </p:spTree>
     <p:extLst>
       <p:ext uri="{BB962C8B-B14F-4D97-AF65-F5344CB8AC3E}">
-        <p14:creationId xmlns:p14="http://schemas.microsoft.com/office/powerpoint/2010/main" val="3553249771"/>
+        <p14:creationId xmlns:p14="http://schemas.microsoft.com/office/powerpoint/2010/main" val="741551652"/>
       </p:ext>
     </p:extLst>
   </p:cSld>
@@ -547,7 +547,7 @@
           <p:cNvPr id="2" name="竖排标题 1">
             <a:extLst>
               <a:ext uri="{FF2B5EF4-FFF2-40B4-BE49-F238E27FC236}">
-                <a16:creationId xmlns:a16="http://schemas.microsoft.com/office/drawing/2014/main" id="{007B6B98-503B-7B8C-172B-2327929B4F45}"/>
+                <a16:creationId xmlns:a16="http://schemas.microsoft.com/office/drawing/2014/main" id="{7D976054-963E-75CA-7139-0D4DA7A0F19C}"/>
               </a:ext>
             </a:extLst>
           </p:cNvPr>
@@ -580,7 +580,7 @@
           <p:cNvPr id="3" name="竖排文字占位符 2">
             <a:extLst>
               <a:ext uri="{FF2B5EF4-FFF2-40B4-BE49-F238E27FC236}">
-                <a16:creationId xmlns:a16="http://schemas.microsoft.com/office/drawing/2014/main" id="{D606CDEC-6D6A-5AC3-D568-57FF71D23D26}"/>
+                <a16:creationId xmlns:a16="http://schemas.microsoft.com/office/drawing/2014/main" id="{3378F689-C790-D474-5260-415D25EA6B11}"/>
               </a:ext>
             </a:extLst>
           </p:cNvPr>
@@ -642,7 +642,7 @@
           <p:cNvPr id="4" name="日期占位符 3">
             <a:extLst>
               <a:ext uri="{FF2B5EF4-FFF2-40B4-BE49-F238E27FC236}">
-                <a16:creationId xmlns:a16="http://schemas.microsoft.com/office/drawing/2014/main" id="{C6517A3B-E443-1703-401D-2110D59CA1BC}"/>
+                <a16:creationId xmlns:a16="http://schemas.microsoft.com/office/drawing/2014/main" id="{19F73718-2C58-A87A-FE20-469FB038C404}"/>
               </a:ext>
             </a:extLst>
           </p:cNvPr>
@@ -658,7 +658,7 @@
           <a:bodyPr/>
           <a:lstStyle/>
           <a:p>
-            <a:fld id="{08DDE0DF-59B6-48E8-B764-0E31D232183F}" type="datetimeFigureOut">
+            <a:fld id="{69C68AC1-022C-4279-954F-46BEDB547BBD}" type="datetimeFigureOut">
               <a:rPr lang="zh-CN" altLang="en-US" smtClean="0"/>
               <a:t>2024/3/10</a:t>
             </a:fld>
@@ -671,7 +671,7 @@
           <p:cNvPr id="5" name="页脚占位符 4">
             <a:extLst>
               <a:ext uri="{FF2B5EF4-FFF2-40B4-BE49-F238E27FC236}">
-                <a16:creationId xmlns:a16="http://schemas.microsoft.com/office/drawing/2014/main" id="{E0B77C20-53F3-41AA-CD77-A2FA160212AC}"/>
+                <a16:creationId xmlns:a16="http://schemas.microsoft.com/office/drawing/2014/main" id="{AC01B9C6-F786-49E6-A618-695A538B2932}"/>
               </a:ext>
             </a:extLst>
           </p:cNvPr>
@@ -696,7 +696,7 @@
           <p:cNvPr id="6" name="灯片编号占位符 5">
             <a:extLst>
               <a:ext uri="{FF2B5EF4-FFF2-40B4-BE49-F238E27FC236}">
-                <a16:creationId xmlns:a16="http://schemas.microsoft.com/office/drawing/2014/main" id="{7E324EC2-A4F1-9B2D-B46D-DFA6B33358D4}"/>
+                <a16:creationId xmlns:a16="http://schemas.microsoft.com/office/drawing/2014/main" id="{5CE90570-CCCF-6D5F-D236-B4C2A6D044B8}"/>
               </a:ext>
             </a:extLst>
           </p:cNvPr>
@@ -712,7 +712,7 @@
           <a:bodyPr/>
           <a:lstStyle/>
           <a:p>
-            <a:fld id="{EC076AD3-2811-4E61-AC5E-2E00EC0D90B4}" type="slidenum">
+            <a:fld id="{9E09F0A8-AE58-4BC2-A8D0-07D6485CCD29}" type="slidenum">
               <a:rPr lang="zh-CN" altLang="en-US" smtClean="0"/>
               <a:t>‹#›</a:t>
             </a:fld>
@@ -723,7 +723,7 @@
     </p:spTree>
     <p:extLst>
       <p:ext uri="{BB962C8B-B14F-4D97-AF65-F5344CB8AC3E}">
-        <p14:creationId xmlns:p14="http://schemas.microsoft.com/office/powerpoint/2010/main" val="1520721334"/>
+        <p14:creationId xmlns:p14="http://schemas.microsoft.com/office/powerpoint/2010/main" val="1001447281"/>
       </p:ext>
     </p:extLst>
   </p:cSld>
@@ -755,7 +755,7 @@
           <p:cNvPr id="2" name="标题 1">
             <a:extLst>
               <a:ext uri="{FF2B5EF4-FFF2-40B4-BE49-F238E27FC236}">
-                <a16:creationId xmlns:a16="http://schemas.microsoft.com/office/drawing/2014/main" id="{6B3283E5-33BD-5099-4838-14C207DE4210}"/>
+                <a16:creationId xmlns:a16="http://schemas.microsoft.com/office/drawing/2014/main" id="{4D1FD823-62C1-F9F4-9D31-3C789A737DBD}"/>
               </a:ext>
             </a:extLst>
           </p:cNvPr>
@@ -783,7 +783,7 @@
           <p:cNvPr id="3" name="内容占位符 2">
             <a:extLst>
               <a:ext uri="{FF2B5EF4-FFF2-40B4-BE49-F238E27FC236}">
-                <a16:creationId xmlns:a16="http://schemas.microsoft.com/office/drawing/2014/main" id="{98D5B806-BC46-8B70-3F83-4F4B8A2ACFA0}"/>
+                <a16:creationId xmlns:a16="http://schemas.microsoft.com/office/drawing/2014/main" id="{C9DD95E6-38D9-F5C6-C28F-289F6C0C6A99}"/>
               </a:ext>
             </a:extLst>
           </p:cNvPr>
@@ -840,7 +840,7 @@
           <p:cNvPr id="4" name="日期占位符 3">
             <a:extLst>
               <a:ext uri="{FF2B5EF4-FFF2-40B4-BE49-F238E27FC236}">
-                <a16:creationId xmlns:a16="http://schemas.microsoft.com/office/drawing/2014/main" id="{D3706BD1-6E8C-840C-3A3A-AAC55C32DE30}"/>
+                <a16:creationId xmlns:a16="http://schemas.microsoft.com/office/drawing/2014/main" id="{B7D94C0F-E4FE-43D1-4879-C78E1F9CABC7}"/>
               </a:ext>
             </a:extLst>
           </p:cNvPr>
@@ -856,7 +856,7 @@
           <a:bodyPr/>
           <a:lstStyle/>
           <a:p>
-            <a:fld id="{08DDE0DF-59B6-48E8-B764-0E31D232183F}" type="datetimeFigureOut">
+            <a:fld id="{69C68AC1-022C-4279-954F-46BEDB547BBD}" type="datetimeFigureOut">
               <a:rPr lang="zh-CN" altLang="en-US" smtClean="0"/>
               <a:t>2024/3/10</a:t>
             </a:fld>
@@ -869,7 +869,7 @@
           <p:cNvPr id="5" name="页脚占位符 4">
             <a:extLst>
               <a:ext uri="{FF2B5EF4-FFF2-40B4-BE49-F238E27FC236}">
-                <a16:creationId xmlns:a16="http://schemas.microsoft.com/office/drawing/2014/main" id="{FC0193DA-E6B5-B103-7A94-097837246552}"/>
+                <a16:creationId xmlns:a16="http://schemas.microsoft.com/office/drawing/2014/main" id="{AD5AE6F0-C288-BC9B-3C00-AB251708D147}"/>
               </a:ext>
             </a:extLst>
           </p:cNvPr>
@@ -894,7 +894,7 @@
           <p:cNvPr id="6" name="灯片编号占位符 5">
             <a:extLst>
               <a:ext uri="{FF2B5EF4-FFF2-40B4-BE49-F238E27FC236}">
-                <a16:creationId xmlns:a16="http://schemas.microsoft.com/office/drawing/2014/main" id="{52F5D222-3AE7-24E0-54CB-7362DDED2FA1}"/>
+                <a16:creationId xmlns:a16="http://schemas.microsoft.com/office/drawing/2014/main" id="{CAC8C39E-C0BC-DE51-D658-FFCDB983DACE}"/>
               </a:ext>
             </a:extLst>
           </p:cNvPr>
@@ -910,7 +910,7 @@
           <a:bodyPr/>
           <a:lstStyle/>
           <a:p>
-            <a:fld id="{EC076AD3-2811-4E61-AC5E-2E00EC0D90B4}" type="slidenum">
+            <a:fld id="{9E09F0A8-AE58-4BC2-A8D0-07D6485CCD29}" type="slidenum">
               <a:rPr lang="zh-CN" altLang="en-US" smtClean="0"/>
               <a:t>‹#›</a:t>
             </a:fld>
@@ -921,7 +921,7 @@
     </p:spTree>
     <p:extLst>
       <p:ext uri="{BB962C8B-B14F-4D97-AF65-F5344CB8AC3E}">
-        <p14:creationId xmlns:p14="http://schemas.microsoft.com/office/powerpoint/2010/main" val="3502035906"/>
+        <p14:creationId xmlns:p14="http://schemas.microsoft.com/office/powerpoint/2010/main" val="2727200586"/>
       </p:ext>
     </p:extLst>
   </p:cSld>
@@ -953,7 +953,7 @@
           <p:cNvPr id="2" name="标题 1">
             <a:extLst>
               <a:ext uri="{FF2B5EF4-FFF2-40B4-BE49-F238E27FC236}">
-                <a16:creationId xmlns:a16="http://schemas.microsoft.com/office/drawing/2014/main" id="{15C172BB-669B-C306-FE3E-783B240EFD72}"/>
+                <a16:creationId xmlns:a16="http://schemas.microsoft.com/office/drawing/2014/main" id="{063ABD01-9CA5-6BFA-BF88-02DD01277FC2}"/>
               </a:ext>
             </a:extLst>
           </p:cNvPr>
@@ -990,7 +990,7 @@
           <p:cNvPr id="3" name="文本占位符 2">
             <a:extLst>
               <a:ext uri="{FF2B5EF4-FFF2-40B4-BE49-F238E27FC236}">
-                <a16:creationId xmlns:a16="http://schemas.microsoft.com/office/drawing/2014/main" id="{CCAF66E0-1CFD-2380-F0EC-77C6FED2FD2D}"/>
+                <a16:creationId xmlns:a16="http://schemas.microsoft.com/office/drawing/2014/main" id="{58800523-9FE7-893A-8736-407A435C245E}"/>
               </a:ext>
             </a:extLst>
           </p:cNvPr>
@@ -1115,7 +1115,7 @@
           <p:cNvPr id="4" name="日期占位符 3">
             <a:extLst>
               <a:ext uri="{FF2B5EF4-FFF2-40B4-BE49-F238E27FC236}">
-                <a16:creationId xmlns:a16="http://schemas.microsoft.com/office/drawing/2014/main" id="{C86A6EE0-E3F5-FDCE-86DF-E50C76D8D76F}"/>
+                <a16:creationId xmlns:a16="http://schemas.microsoft.com/office/drawing/2014/main" id="{1FA662CE-9866-E5FB-F97A-A12A7B399700}"/>
               </a:ext>
             </a:extLst>
           </p:cNvPr>
@@ -1131,7 +1131,7 @@
           <a:bodyPr/>
           <a:lstStyle/>
           <a:p>
-            <a:fld id="{08DDE0DF-59B6-48E8-B764-0E31D232183F}" type="datetimeFigureOut">
+            <a:fld id="{69C68AC1-022C-4279-954F-46BEDB547BBD}" type="datetimeFigureOut">
               <a:rPr lang="zh-CN" altLang="en-US" smtClean="0"/>
               <a:t>2024/3/10</a:t>
             </a:fld>
@@ -1144,7 +1144,7 @@
           <p:cNvPr id="5" name="页脚占位符 4">
             <a:extLst>
               <a:ext uri="{FF2B5EF4-FFF2-40B4-BE49-F238E27FC236}">
-                <a16:creationId xmlns:a16="http://schemas.microsoft.com/office/drawing/2014/main" id="{01B2108A-9597-D1F2-6325-0F8D2BB9C479}"/>
+                <a16:creationId xmlns:a16="http://schemas.microsoft.com/office/drawing/2014/main" id="{2C7B4489-DAC5-9B0C-CE6A-0E84FF776615}"/>
               </a:ext>
             </a:extLst>
           </p:cNvPr>
@@ -1169,7 +1169,7 @@
           <p:cNvPr id="6" name="灯片编号占位符 5">
             <a:extLst>
               <a:ext uri="{FF2B5EF4-FFF2-40B4-BE49-F238E27FC236}">
-                <a16:creationId xmlns:a16="http://schemas.microsoft.com/office/drawing/2014/main" id="{1507B623-B929-CFCD-543C-90DFD8D27BEB}"/>
+                <a16:creationId xmlns:a16="http://schemas.microsoft.com/office/drawing/2014/main" id="{105D8E19-CA1E-6DD1-C028-6FD3BF389DCF}"/>
               </a:ext>
             </a:extLst>
           </p:cNvPr>
@@ -1185,7 +1185,7 @@
           <a:bodyPr/>
           <a:lstStyle/>
           <a:p>
-            <a:fld id="{EC076AD3-2811-4E61-AC5E-2E00EC0D90B4}" type="slidenum">
+            <a:fld id="{9E09F0A8-AE58-4BC2-A8D0-07D6485CCD29}" type="slidenum">
               <a:rPr lang="zh-CN" altLang="en-US" smtClean="0"/>
               <a:t>‹#›</a:t>
             </a:fld>
@@ -1196,7 +1196,7 @@
     </p:spTree>
     <p:extLst>
       <p:ext uri="{BB962C8B-B14F-4D97-AF65-F5344CB8AC3E}">
-        <p14:creationId xmlns:p14="http://schemas.microsoft.com/office/powerpoint/2010/main" val="2949697451"/>
+        <p14:creationId xmlns:p14="http://schemas.microsoft.com/office/powerpoint/2010/main" val="1357606667"/>
       </p:ext>
     </p:extLst>
   </p:cSld>
@@ -1228,7 +1228,7 @@
           <p:cNvPr id="2" name="标题 1">
             <a:extLst>
               <a:ext uri="{FF2B5EF4-FFF2-40B4-BE49-F238E27FC236}">
-                <a16:creationId xmlns:a16="http://schemas.microsoft.com/office/drawing/2014/main" id="{960785A8-8BB9-4D06-4293-0392803EC3C2}"/>
+                <a16:creationId xmlns:a16="http://schemas.microsoft.com/office/drawing/2014/main" id="{FBFA61D0-B27C-2DA5-1516-9434BF25189F}"/>
               </a:ext>
             </a:extLst>
           </p:cNvPr>
@@ -1256,7 +1256,7 @@
           <p:cNvPr id="3" name="内容占位符 2">
             <a:extLst>
               <a:ext uri="{FF2B5EF4-FFF2-40B4-BE49-F238E27FC236}">
-                <a16:creationId xmlns:a16="http://schemas.microsoft.com/office/drawing/2014/main" id="{9E248F22-430D-53BC-60DA-56BC3E092D1E}"/>
+                <a16:creationId xmlns:a16="http://schemas.microsoft.com/office/drawing/2014/main" id="{E2208851-2C8D-61B8-1C23-9291DAB26434}"/>
               </a:ext>
             </a:extLst>
           </p:cNvPr>
@@ -1318,7 +1318,7 @@
           <p:cNvPr id="4" name="内容占位符 3">
             <a:extLst>
               <a:ext uri="{FF2B5EF4-FFF2-40B4-BE49-F238E27FC236}">
-                <a16:creationId xmlns:a16="http://schemas.microsoft.com/office/drawing/2014/main" id="{187FDE37-EFF1-2ACA-20CE-E74CABFBAAC5}"/>
+                <a16:creationId xmlns:a16="http://schemas.microsoft.com/office/drawing/2014/main" id="{CB8E4BAD-2DD1-F25C-4EF8-623285688640}"/>
               </a:ext>
             </a:extLst>
           </p:cNvPr>
@@ -1380,7 +1380,7 @@
           <p:cNvPr id="5" name="日期占位符 4">
             <a:extLst>
               <a:ext uri="{FF2B5EF4-FFF2-40B4-BE49-F238E27FC236}">
-                <a16:creationId xmlns:a16="http://schemas.microsoft.com/office/drawing/2014/main" id="{03E0779D-E402-9612-4E0F-DDD9E30087F6}"/>
+                <a16:creationId xmlns:a16="http://schemas.microsoft.com/office/drawing/2014/main" id="{5E7A7C72-6FCD-740A-998D-6A4ED3CA6025}"/>
               </a:ext>
             </a:extLst>
           </p:cNvPr>
@@ -1396,7 +1396,7 @@
           <a:bodyPr/>
           <a:lstStyle/>
           <a:p>
-            <a:fld id="{08DDE0DF-59B6-48E8-B764-0E31D232183F}" type="datetimeFigureOut">
+            <a:fld id="{69C68AC1-022C-4279-954F-46BEDB547BBD}" type="datetimeFigureOut">
               <a:rPr lang="zh-CN" altLang="en-US" smtClean="0"/>
               <a:t>2024/3/10</a:t>
             </a:fld>
@@ -1409,7 +1409,7 @@
           <p:cNvPr id="6" name="页脚占位符 5">
             <a:extLst>
               <a:ext uri="{FF2B5EF4-FFF2-40B4-BE49-F238E27FC236}">
-                <a16:creationId xmlns:a16="http://schemas.microsoft.com/office/drawing/2014/main" id="{5F5DC66E-AD5C-5B3A-C5E9-E365E9EC5A84}"/>
+                <a16:creationId xmlns:a16="http://schemas.microsoft.com/office/drawing/2014/main" id="{0BB0E170-CA10-A9BF-82A8-7BDCE539D5F8}"/>
               </a:ext>
             </a:extLst>
           </p:cNvPr>
@@ -1434,7 +1434,7 @@
           <p:cNvPr id="7" name="灯片编号占位符 6">
             <a:extLst>
               <a:ext uri="{FF2B5EF4-FFF2-40B4-BE49-F238E27FC236}">
-                <a16:creationId xmlns:a16="http://schemas.microsoft.com/office/drawing/2014/main" id="{3DE23BFA-D5B9-A0A6-11B1-D5D8AE569627}"/>
+                <a16:creationId xmlns:a16="http://schemas.microsoft.com/office/drawing/2014/main" id="{A6DE763D-EDED-E8A7-2FDE-36A154851ADD}"/>
               </a:ext>
             </a:extLst>
           </p:cNvPr>
@@ -1450,7 +1450,7 @@
           <a:bodyPr/>
           <a:lstStyle/>
           <a:p>
-            <a:fld id="{EC076AD3-2811-4E61-AC5E-2E00EC0D90B4}" type="slidenum">
+            <a:fld id="{9E09F0A8-AE58-4BC2-A8D0-07D6485CCD29}" type="slidenum">
               <a:rPr lang="zh-CN" altLang="en-US" smtClean="0"/>
               <a:t>‹#›</a:t>
             </a:fld>
@@ -1461,7 +1461,7 @@
     </p:spTree>
     <p:extLst>
       <p:ext uri="{BB962C8B-B14F-4D97-AF65-F5344CB8AC3E}">
-        <p14:creationId xmlns:p14="http://schemas.microsoft.com/office/powerpoint/2010/main" val="2958849812"/>
+        <p14:creationId xmlns:p14="http://schemas.microsoft.com/office/powerpoint/2010/main" val="1643549849"/>
       </p:ext>
     </p:extLst>
   </p:cSld>
@@ -1493,7 +1493,7 @@
           <p:cNvPr id="2" name="标题 1">
             <a:extLst>
               <a:ext uri="{FF2B5EF4-FFF2-40B4-BE49-F238E27FC236}">
-                <a16:creationId xmlns:a16="http://schemas.microsoft.com/office/drawing/2014/main" id="{46BE9C6B-C342-8607-71B9-4C3FD1826B13}"/>
+                <a16:creationId xmlns:a16="http://schemas.microsoft.com/office/drawing/2014/main" id="{C7F01017-7E84-5EF1-0DA2-4B4A35C9F706}"/>
               </a:ext>
             </a:extLst>
           </p:cNvPr>
@@ -1526,7 +1526,7 @@
           <p:cNvPr id="3" name="文本占位符 2">
             <a:extLst>
               <a:ext uri="{FF2B5EF4-FFF2-40B4-BE49-F238E27FC236}">
-                <a16:creationId xmlns:a16="http://schemas.microsoft.com/office/drawing/2014/main" id="{1529646C-9CB0-E5D1-878F-22709D84322C}"/>
+                <a16:creationId xmlns:a16="http://schemas.microsoft.com/office/drawing/2014/main" id="{959CE37D-1BEB-A1FC-B9C1-FFDE7CE15A8D}"/>
               </a:ext>
             </a:extLst>
           </p:cNvPr>
@@ -1597,7 +1597,7 @@
           <p:cNvPr id="4" name="内容占位符 3">
             <a:extLst>
               <a:ext uri="{FF2B5EF4-FFF2-40B4-BE49-F238E27FC236}">
-                <a16:creationId xmlns:a16="http://schemas.microsoft.com/office/drawing/2014/main" id="{7CAA9D02-4F85-45E9-CC23-FF95D847ED6A}"/>
+                <a16:creationId xmlns:a16="http://schemas.microsoft.com/office/drawing/2014/main" id="{07323D2E-D1CF-E3B7-BB87-EE8E02D592FF}"/>
               </a:ext>
             </a:extLst>
           </p:cNvPr>
@@ -1659,7 +1659,7 @@
           <p:cNvPr id="5" name="文本占位符 4">
             <a:extLst>
               <a:ext uri="{FF2B5EF4-FFF2-40B4-BE49-F238E27FC236}">
-                <a16:creationId xmlns:a16="http://schemas.microsoft.com/office/drawing/2014/main" id="{8509C73F-A258-D56A-BE7F-DA632450A51E}"/>
+                <a16:creationId xmlns:a16="http://schemas.microsoft.com/office/drawing/2014/main" id="{62E07D68-C67B-5D94-CED5-98CD63F35E8E}"/>
               </a:ext>
             </a:extLst>
           </p:cNvPr>
@@ -1730,7 +1730,7 @@
           <p:cNvPr id="6" name="内容占位符 5">
             <a:extLst>
               <a:ext uri="{FF2B5EF4-FFF2-40B4-BE49-F238E27FC236}">
-                <a16:creationId xmlns:a16="http://schemas.microsoft.com/office/drawing/2014/main" id="{D0AC72A1-7B05-02B1-FA66-9620311E6AFB}"/>
+                <a16:creationId xmlns:a16="http://schemas.microsoft.com/office/drawing/2014/main" id="{2FCAF6FB-1EE1-5DC7-54F2-37A7D6EA9EBF}"/>
               </a:ext>
             </a:extLst>
           </p:cNvPr>
@@ -1792,7 +1792,7 @@
           <p:cNvPr id="7" name="日期占位符 6">
             <a:extLst>
               <a:ext uri="{FF2B5EF4-FFF2-40B4-BE49-F238E27FC236}">
-                <a16:creationId xmlns:a16="http://schemas.microsoft.com/office/drawing/2014/main" id="{82D618DC-A13C-6E11-8E78-F4ED496E69EF}"/>
+                <a16:creationId xmlns:a16="http://schemas.microsoft.com/office/drawing/2014/main" id="{B3B66770-B940-5486-4186-6B361D69948D}"/>
               </a:ext>
             </a:extLst>
           </p:cNvPr>
@@ -1808,7 +1808,7 @@
           <a:bodyPr/>
           <a:lstStyle/>
           <a:p>
-            <a:fld id="{08DDE0DF-59B6-48E8-B764-0E31D232183F}" type="datetimeFigureOut">
+            <a:fld id="{69C68AC1-022C-4279-954F-46BEDB547BBD}" type="datetimeFigureOut">
               <a:rPr lang="zh-CN" altLang="en-US" smtClean="0"/>
               <a:t>2024/3/10</a:t>
             </a:fld>
@@ -1821,7 +1821,7 @@
           <p:cNvPr id="8" name="页脚占位符 7">
             <a:extLst>
               <a:ext uri="{FF2B5EF4-FFF2-40B4-BE49-F238E27FC236}">
-                <a16:creationId xmlns:a16="http://schemas.microsoft.com/office/drawing/2014/main" id="{8F6CE23B-21D1-657E-2B44-73E07A4B2F24}"/>
+                <a16:creationId xmlns:a16="http://schemas.microsoft.com/office/drawing/2014/main" id="{97AB4F46-6C87-1510-3F27-75214F726E29}"/>
               </a:ext>
             </a:extLst>
           </p:cNvPr>
@@ -1846,7 +1846,7 @@
           <p:cNvPr id="9" name="灯片编号占位符 8">
             <a:extLst>
               <a:ext uri="{FF2B5EF4-FFF2-40B4-BE49-F238E27FC236}">
-                <a16:creationId xmlns:a16="http://schemas.microsoft.com/office/drawing/2014/main" id="{3AE6C95C-5BBD-CFFD-F1BC-EAF393643F44}"/>
+                <a16:creationId xmlns:a16="http://schemas.microsoft.com/office/drawing/2014/main" id="{DF2DBDA9-28EF-E778-96F4-6191106111DF}"/>
               </a:ext>
             </a:extLst>
           </p:cNvPr>
@@ -1862,7 +1862,7 @@
           <a:bodyPr/>
           <a:lstStyle/>
           <a:p>
-            <a:fld id="{EC076AD3-2811-4E61-AC5E-2E00EC0D90B4}" type="slidenum">
+            <a:fld id="{9E09F0A8-AE58-4BC2-A8D0-07D6485CCD29}" type="slidenum">
               <a:rPr lang="zh-CN" altLang="en-US" smtClean="0"/>
               <a:t>‹#›</a:t>
             </a:fld>
@@ -1873,7 +1873,7 @@
     </p:spTree>
     <p:extLst>
       <p:ext uri="{BB962C8B-B14F-4D97-AF65-F5344CB8AC3E}">
-        <p14:creationId xmlns:p14="http://schemas.microsoft.com/office/powerpoint/2010/main" val="767653839"/>
+        <p14:creationId xmlns:p14="http://schemas.microsoft.com/office/powerpoint/2010/main" val="137202974"/>
       </p:ext>
     </p:extLst>
   </p:cSld>
@@ -1905,7 +1905,7 @@
           <p:cNvPr id="2" name="标题 1">
             <a:extLst>
               <a:ext uri="{FF2B5EF4-FFF2-40B4-BE49-F238E27FC236}">
-                <a16:creationId xmlns:a16="http://schemas.microsoft.com/office/drawing/2014/main" id="{42B25F39-93C1-AFF2-29BC-EB16AF15FAF0}"/>
+                <a16:creationId xmlns:a16="http://schemas.microsoft.com/office/drawing/2014/main" id="{AF51BABE-AFA4-6931-F118-830C8D246DE5}"/>
               </a:ext>
             </a:extLst>
           </p:cNvPr>
@@ -1933,7 +1933,7 @@
           <p:cNvPr id="3" name="日期占位符 2">
             <a:extLst>
               <a:ext uri="{FF2B5EF4-FFF2-40B4-BE49-F238E27FC236}">
-                <a16:creationId xmlns:a16="http://schemas.microsoft.com/office/drawing/2014/main" id="{5F183DEE-F490-0CF2-70FF-A6BAC5B67AD7}"/>
+                <a16:creationId xmlns:a16="http://schemas.microsoft.com/office/drawing/2014/main" id="{257514F3-611B-DBC3-7526-0D0C6064D4DF}"/>
               </a:ext>
             </a:extLst>
           </p:cNvPr>
@@ -1949,7 +1949,7 @@
           <a:bodyPr/>
           <a:lstStyle/>
           <a:p>
-            <a:fld id="{08DDE0DF-59B6-48E8-B764-0E31D232183F}" type="datetimeFigureOut">
+            <a:fld id="{69C68AC1-022C-4279-954F-46BEDB547BBD}" type="datetimeFigureOut">
               <a:rPr lang="zh-CN" altLang="en-US" smtClean="0"/>
               <a:t>2024/3/10</a:t>
             </a:fld>
@@ -1962,7 +1962,7 @@
           <p:cNvPr id="4" name="页脚占位符 3">
             <a:extLst>
               <a:ext uri="{FF2B5EF4-FFF2-40B4-BE49-F238E27FC236}">
-                <a16:creationId xmlns:a16="http://schemas.microsoft.com/office/drawing/2014/main" id="{08D75E58-72AB-29E1-0DB1-805EF53FD4E5}"/>
+                <a16:creationId xmlns:a16="http://schemas.microsoft.com/office/drawing/2014/main" id="{613F267A-D024-8942-456D-FACA816D4448}"/>
               </a:ext>
             </a:extLst>
           </p:cNvPr>
@@ -1987,7 +1987,7 @@
           <p:cNvPr id="5" name="灯片编号占位符 4">
             <a:extLst>
               <a:ext uri="{FF2B5EF4-FFF2-40B4-BE49-F238E27FC236}">
-                <a16:creationId xmlns:a16="http://schemas.microsoft.com/office/drawing/2014/main" id="{F74F1A23-96EB-E196-A530-E4207B25C693}"/>
+                <a16:creationId xmlns:a16="http://schemas.microsoft.com/office/drawing/2014/main" id="{5488A33C-1080-42D5-B221-32634227B6A4}"/>
               </a:ext>
             </a:extLst>
           </p:cNvPr>
@@ -2003,7 +2003,7 @@
           <a:bodyPr/>
           <a:lstStyle/>
           <a:p>
-            <a:fld id="{EC076AD3-2811-4E61-AC5E-2E00EC0D90B4}" type="slidenum">
+            <a:fld id="{9E09F0A8-AE58-4BC2-A8D0-07D6485CCD29}" type="slidenum">
               <a:rPr lang="zh-CN" altLang="en-US" smtClean="0"/>
               <a:t>‹#›</a:t>
             </a:fld>
@@ -2014,7 +2014,7 @@
     </p:spTree>
     <p:extLst>
       <p:ext uri="{BB962C8B-B14F-4D97-AF65-F5344CB8AC3E}">
-        <p14:creationId xmlns:p14="http://schemas.microsoft.com/office/powerpoint/2010/main" val="779999614"/>
+        <p14:creationId xmlns:p14="http://schemas.microsoft.com/office/powerpoint/2010/main" val="2430459052"/>
       </p:ext>
     </p:extLst>
   </p:cSld>
@@ -2046,7 +2046,7 @@
           <p:cNvPr id="2" name="日期占位符 1">
             <a:extLst>
               <a:ext uri="{FF2B5EF4-FFF2-40B4-BE49-F238E27FC236}">
-                <a16:creationId xmlns:a16="http://schemas.microsoft.com/office/drawing/2014/main" id="{6D13D296-AF8B-F128-A5E4-9D5640E48C88}"/>
+                <a16:creationId xmlns:a16="http://schemas.microsoft.com/office/drawing/2014/main" id="{285FB850-C352-FD83-EFE7-222E9B48AB4D}"/>
               </a:ext>
             </a:extLst>
           </p:cNvPr>
@@ -2062,7 +2062,7 @@
           <a:bodyPr/>
           <a:lstStyle/>
           <a:p>
-            <a:fld id="{08DDE0DF-59B6-48E8-B764-0E31D232183F}" type="datetimeFigureOut">
+            <a:fld id="{69C68AC1-022C-4279-954F-46BEDB547BBD}" type="datetimeFigureOut">
               <a:rPr lang="zh-CN" altLang="en-US" smtClean="0"/>
               <a:t>2024/3/10</a:t>
             </a:fld>
@@ -2075,7 +2075,7 @@
           <p:cNvPr id="3" name="页脚占位符 2">
             <a:extLst>
               <a:ext uri="{FF2B5EF4-FFF2-40B4-BE49-F238E27FC236}">
-                <a16:creationId xmlns:a16="http://schemas.microsoft.com/office/drawing/2014/main" id="{32C55E31-BD4B-8ECD-E027-6802B362314E}"/>
+                <a16:creationId xmlns:a16="http://schemas.microsoft.com/office/drawing/2014/main" id="{7B0475C6-BD73-20D8-588E-3B7AABE47715}"/>
               </a:ext>
             </a:extLst>
           </p:cNvPr>
@@ -2100,7 +2100,7 @@
           <p:cNvPr id="4" name="灯片编号占位符 3">
             <a:extLst>
               <a:ext uri="{FF2B5EF4-FFF2-40B4-BE49-F238E27FC236}">
-                <a16:creationId xmlns:a16="http://schemas.microsoft.com/office/drawing/2014/main" id="{23128E25-DE81-4E52-CF86-D89AF1BC2228}"/>
+                <a16:creationId xmlns:a16="http://schemas.microsoft.com/office/drawing/2014/main" id="{95CF3380-A3FE-3C41-0F97-74597F66889D}"/>
               </a:ext>
             </a:extLst>
           </p:cNvPr>
@@ -2116,7 +2116,7 @@
           <a:bodyPr/>
           <a:lstStyle/>
           <a:p>
-            <a:fld id="{EC076AD3-2811-4E61-AC5E-2E00EC0D90B4}" type="slidenum">
+            <a:fld id="{9E09F0A8-AE58-4BC2-A8D0-07D6485CCD29}" type="slidenum">
               <a:rPr lang="zh-CN" altLang="en-US" smtClean="0"/>
               <a:t>‹#›</a:t>
             </a:fld>
@@ -2127,7 +2127,7 @@
     </p:spTree>
     <p:extLst>
       <p:ext uri="{BB962C8B-B14F-4D97-AF65-F5344CB8AC3E}">
-        <p14:creationId xmlns:p14="http://schemas.microsoft.com/office/powerpoint/2010/main" val="583456769"/>
+        <p14:creationId xmlns:p14="http://schemas.microsoft.com/office/powerpoint/2010/main" val="2789272747"/>
       </p:ext>
     </p:extLst>
   </p:cSld>
@@ -2159,7 +2159,7 @@
           <p:cNvPr id="2" name="标题 1">
             <a:extLst>
               <a:ext uri="{FF2B5EF4-FFF2-40B4-BE49-F238E27FC236}">
-                <a16:creationId xmlns:a16="http://schemas.microsoft.com/office/drawing/2014/main" id="{BAF4909B-2A5F-1138-9A56-9E8A86CA9380}"/>
+                <a16:creationId xmlns:a16="http://schemas.microsoft.com/office/drawing/2014/main" id="{E4BD74BF-9E4A-4C01-C92A-EBCA3804F479}"/>
               </a:ext>
             </a:extLst>
           </p:cNvPr>
@@ -2196,7 +2196,7 @@
           <p:cNvPr id="3" name="内容占位符 2">
             <a:extLst>
               <a:ext uri="{FF2B5EF4-FFF2-40B4-BE49-F238E27FC236}">
-                <a16:creationId xmlns:a16="http://schemas.microsoft.com/office/drawing/2014/main" id="{F5B79DBE-0645-2CA3-D70E-382F1DC4E851}"/>
+                <a16:creationId xmlns:a16="http://schemas.microsoft.com/office/drawing/2014/main" id="{73C85F35-5A61-7240-2E8F-93AC3CC7FBD9}"/>
               </a:ext>
             </a:extLst>
           </p:cNvPr>
@@ -2286,7 +2286,7 @@
           <p:cNvPr id="4" name="文本占位符 3">
             <a:extLst>
               <a:ext uri="{FF2B5EF4-FFF2-40B4-BE49-F238E27FC236}">
-                <a16:creationId xmlns:a16="http://schemas.microsoft.com/office/drawing/2014/main" id="{9C7FE8A0-4E18-120F-F5C4-E3E8EAE0F91B}"/>
+                <a16:creationId xmlns:a16="http://schemas.microsoft.com/office/drawing/2014/main" id="{59504775-FF81-F4D7-E078-554CA1C44C37}"/>
               </a:ext>
             </a:extLst>
           </p:cNvPr>
@@ -2357,7 +2357,7 @@
           <p:cNvPr id="5" name="日期占位符 4">
             <a:extLst>
               <a:ext uri="{FF2B5EF4-FFF2-40B4-BE49-F238E27FC236}">
-                <a16:creationId xmlns:a16="http://schemas.microsoft.com/office/drawing/2014/main" id="{2A2BEBC6-AA97-22C3-5FD7-F1E825F0E320}"/>
+                <a16:creationId xmlns:a16="http://schemas.microsoft.com/office/drawing/2014/main" id="{D74D4317-9AE5-921B-EDC4-59FB7EADB9C0}"/>
               </a:ext>
             </a:extLst>
           </p:cNvPr>
@@ -2373,7 +2373,7 @@
           <a:bodyPr/>
           <a:lstStyle/>
           <a:p>
-            <a:fld id="{08DDE0DF-59B6-48E8-B764-0E31D232183F}" type="datetimeFigureOut">
+            <a:fld id="{69C68AC1-022C-4279-954F-46BEDB547BBD}" type="datetimeFigureOut">
               <a:rPr lang="zh-CN" altLang="en-US" smtClean="0"/>
               <a:t>2024/3/10</a:t>
             </a:fld>
@@ -2386,7 +2386,7 @@
           <p:cNvPr id="6" name="页脚占位符 5">
             <a:extLst>
               <a:ext uri="{FF2B5EF4-FFF2-40B4-BE49-F238E27FC236}">
-                <a16:creationId xmlns:a16="http://schemas.microsoft.com/office/drawing/2014/main" id="{BF8B2250-FB02-4DEA-6CA7-206E5A3271B4}"/>
+                <a16:creationId xmlns:a16="http://schemas.microsoft.com/office/drawing/2014/main" id="{192BEFDE-2C53-F227-B1E0-768E44532445}"/>
               </a:ext>
             </a:extLst>
           </p:cNvPr>
@@ -2411,7 +2411,7 @@
           <p:cNvPr id="7" name="灯片编号占位符 6">
             <a:extLst>
               <a:ext uri="{FF2B5EF4-FFF2-40B4-BE49-F238E27FC236}">
-                <a16:creationId xmlns:a16="http://schemas.microsoft.com/office/drawing/2014/main" id="{8E5CB982-2428-A2C0-C150-0A22BA2CE9C6}"/>
+                <a16:creationId xmlns:a16="http://schemas.microsoft.com/office/drawing/2014/main" id="{196514BC-BA13-7E7E-53D9-0F45FDBC1288}"/>
               </a:ext>
             </a:extLst>
           </p:cNvPr>
@@ -2427,7 +2427,7 @@
           <a:bodyPr/>
           <a:lstStyle/>
           <a:p>
-            <a:fld id="{EC076AD3-2811-4E61-AC5E-2E00EC0D90B4}" type="slidenum">
+            <a:fld id="{9E09F0A8-AE58-4BC2-A8D0-07D6485CCD29}" type="slidenum">
               <a:rPr lang="zh-CN" altLang="en-US" smtClean="0"/>
               <a:t>‹#›</a:t>
             </a:fld>
@@ -2438,7 +2438,7 @@
     </p:spTree>
     <p:extLst>
       <p:ext uri="{BB962C8B-B14F-4D97-AF65-F5344CB8AC3E}">
-        <p14:creationId xmlns:p14="http://schemas.microsoft.com/office/powerpoint/2010/main" val="3551744624"/>
+        <p14:creationId xmlns:p14="http://schemas.microsoft.com/office/powerpoint/2010/main" val="1364657960"/>
       </p:ext>
     </p:extLst>
   </p:cSld>
@@ -2470,7 +2470,7 @@
           <p:cNvPr id="2" name="标题 1">
             <a:extLst>
               <a:ext uri="{FF2B5EF4-FFF2-40B4-BE49-F238E27FC236}">
-                <a16:creationId xmlns:a16="http://schemas.microsoft.com/office/drawing/2014/main" id="{93BB3F9B-E690-D2D7-B0EA-F67EC779EE6E}"/>
+                <a16:creationId xmlns:a16="http://schemas.microsoft.com/office/drawing/2014/main" id="{F1F44E25-9545-04C3-0BC4-F6D7C93C694E}"/>
               </a:ext>
             </a:extLst>
           </p:cNvPr>
@@ -2507,7 +2507,7 @@
           <p:cNvPr id="3" name="图片占位符 2">
             <a:extLst>
               <a:ext uri="{FF2B5EF4-FFF2-40B4-BE49-F238E27FC236}">
-                <a16:creationId xmlns:a16="http://schemas.microsoft.com/office/drawing/2014/main" id="{02A108B8-1B7E-9E24-17D9-6BCCFCD76244}"/>
+                <a16:creationId xmlns:a16="http://schemas.microsoft.com/office/drawing/2014/main" id="{EE2E07E6-1177-2DDD-E649-79C8F410F456}"/>
               </a:ext>
             </a:extLst>
           </p:cNvPr>
@@ -2574,7 +2574,7 @@
           <p:cNvPr id="4" name="文本占位符 3">
             <a:extLst>
               <a:ext uri="{FF2B5EF4-FFF2-40B4-BE49-F238E27FC236}">
-                <a16:creationId xmlns:a16="http://schemas.microsoft.com/office/drawing/2014/main" id="{80E15D9B-CDD2-873B-C702-C3CD4F2D2031}"/>
+                <a16:creationId xmlns:a16="http://schemas.microsoft.com/office/drawing/2014/main" id="{D8CE4B97-EA4D-16E0-22E5-C17694DA330C}"/>
               </a:ext>
             </a:extLst>
           </p:cNvPr>
@@ -2645,7 +2645,7 @@
           <p:cNvPr id="5" name="日期占位符 4">
             <a:extLst>
               <a:ext uri="{FF2B5EF4-FFF2-40B4-BE49-F238E27FC236}">
-                <a16:creationId xmlns:a16="http://schemas.microsoft.com/office/drawing/2014/main" id="{71825FB5-F7B6-BD0B-6D9E-035B959B827D}"/>
+                <a16:creationId xmlns:a16="http://schemas.microsoft.com/office/drawing/2014/main" id="{DE521567-3B50-DA34-CFA7-DEAD6CB5512A}"/>
               </a:ext>
             </a:extLst>
           </p:cNvPr>
@@ -2661,7 +2661,7 @@
           <a:bodyPr/>
           <a:lstStyle/>
           <a:p>
-            <a:fld id="{08DDE0DF-59B6-48E8-B764-0E31D232183F}" type="datetimeFigureOut">
+            <a:fld id="{69C68AC1-022C-4279-954F-46BEDB547BBD}" type="datetimeFigureOut">
               <a:rPr lang="zh-CN" altLang="en-US" smtClean="0"/>
               <a:t>2024/3/10</a:t>
             </a:fld>
@@ -2674,7 +2674,7 @@
           <p:cNvPr id="6" name="页脚占位符 5">
             <a:extLst>
               <a:ext uri="{FF2B5EF4-FFF2-40B4-BE49-F238E27FC236}">
-                <a16:creationId xmlns:a16="http://schemas.microsoft.com/office/drawing/2014/main" id="{2DC75CAE-EE8F-FEB4-1D8C-208FD38BA005}"/>
+                <a16:creationId xmlns:a16="http://schemas.microsoft.com/office/drawing/2014/main" id="{2297293A-F170-2EAB-6C69-46A59784DFC9}"/>
               </a:ext>
             </a:extLst>
           </p:cNvPr>
@@ -2699,7 +2699,7 @@
           <p:cNvPr id="7" name="灯片编号占位符 6">
             <a:extLst>
               <a:ext uri="{FF2B5EF4-FFF2-40B4-BE49-F238E27FC236}">
-                <a16:creationId xmlns:a16="http://schemas.microsoft.com/office/drawing/2014/main" id="{DE745DF3-A069-72B9-CBF3-521FBB0C55CF}"/>
+                <a16:creationId xmlns:a16="http://schemas.microsoft.com/office/drawing/2014/main" id="{FC323642-A438-F142-BE69-305CCF6094EC}"/>
               </a:ext>
             </a:extLst>
           </p:cNvPr>
@@ -2715,7 +2715,7 @@
           <a:bodyPr/>
           <a:lstStyle/>
           <a:p>
-            <a:fld id="{EC076AD3-2811-4E61-AC5E-2E00EC0D90B4}" type="slidenum">
+            <a:fld id="{9E09F0A8-AE58-4BC2-A8D0-07D6485CCD29}" type="slidenum">
               <a:rPr lang="zh-CN" altLang="en-US" smtClean="0"/>
               <a:t>‹#›</a:t>
             </a:fld>
@@ -2726,7 +2726,7 @@
     </p:spTree>
     <p:extLst>
       <p:ext uri="{BB962C8B-B14F-4D97-AF65-F5344CB8AC3E}">
-        <p14:creationId xmlns:p14="http://schemas.microsoft.com/office/powerpoint/2010/main" val="2425874951"/>
+        <p14:creationId xmlns:p14="http://schemas.microsoft.com/office/powerpoint/2010/main" val="1295835855"/>
       </p:ext>
     </p:extLst>
   </p:cSld>
@@ -2763,7 +2763,7 @@
           <p:cNvPr id="2" name="标题占位符 1">
             <a:extLst>
               <a:ext uri="{FF2B5EF4-FFF2-40B4-BE49-F238E27FC236}">
-                <a16:creationId xmlns:a16="http://schemas.microsoft.com/office/drawing/2014/main" id="{589B72AC-3824-7B0F-F4C5-18EFD7C8D27B}"/>
+                <a16:creationId xmlns:a16="http://schemas.microsoft.com/office/drawing/2014/main" id="{0862B96E-2110-E090-F967-B0C8C954AC65}"/>
               </a:ext>
             </a:extLst>
           </p:cNvPr>
@@ -2801,7 +2801,7 @@
           <p:cNvPr id="3" name="文本占位符 2">
             <a:extLst>
               <a:ext uri="{FF2B5EF4-FFF2-40B4-BE49-F238E27FC236}">
-                <a16:creationId xmlns:a16="http://schemas.microsoft.com/office/drawing/2014/main" id="{8EE56947-8544-B940-2CBA-BFAC41E6B9B8}"/>
+                <a16:creationId xmlns:a16="http://schemas.microsoft.com/office/drawing/2014/main" id="{39C1683E-6031-A90C-09DF-6E1948BBA2A3}"/>
               </a:ext>
             </a:extLst>
           </p:cNvPr>
@@ -2868,7 +2868,7 @@
           <p:cNvPr id="4" name="日期占位符 3">
             <a:extLst>
               <a:ext uri="{FF2B5EF4-FFF2-40B4-BE49-F238E27FC236}">
-                <a16:creationId xmlns:a16="http://schemas.microsoft.com/office/drawing/2014/main" id="{BF2753BF-303A-1730-F91F-A5ABD169E0C0}"/>
+                <a16:creationId xmlns:a16="http://schemas.microsoft.com/office/drawing/2014/main" id="{1BDB0A98-57FB-D4F5-ED6B-71EF8CF3EE7B}"/>
               </a:ext>
             </a:extLst>
           </p:cNvPr>
@@ -2902,7 +2902,7 @@
             </a:lvl1pPr>
           </a:lstStyle>
           <a:p>
-            <a:fld id="{08DDE0DF-59B6-48E8-B764-0E31D232183F}" type="datetimeFigureOut">
+            <a:fld id="{69C68AC1-022C-4279-954F-46BEDB547BBD}" type="datetimeFigureOut">
               <a:rPr lang="zh-CN" altLang="en-US" smtClean="0"/>
               <a:t>2024/3/10</a:t>
             </a:fld>
@@ -2915,7 +2915,7 @@
           <p:cNvPr id="5" name="页脚占位符 4">
             <a:extLst>
               <a:ext uri="{FF2B5EF4-FFF2-40B4-BE49-F238E27FC236}">
-                <a16:creationId xmlns:a16="http://schemas.microsoft.com/office/drawing/2014/main" id="{3C9CA618-2973-0B5C-B796-A727CEDDE9D7}"/>
+                <a16:creationId xmlns:a16="http://schemas.microsoft.com/office/drawing/2014/main" id="{43F90D52-ADD7-2419-7064-7B5092CA3E15}"/>
               </a:ext>
             </a:extLst>
           </p:cNvPr>
@@ -2958,7 +2958,7 @@
           <p:cNvPr id="6" name="灯片编号占位符 5">
             <a:extLst>
               <a:ext uri="{FF2B5EF4-FFF2-40B4-BE49-F238E27FC236}">
-                <a16:creationId xmlns:a16="http://schemas.microsoft.com/office/drawing/2014/main" id="{A16723FE-E986-FA9F-8CDB-2CC266E92E90}"/>
+                <a16:creationId xmlns:a16="http://schemas.microsoft.com/office/drawing/2014/main" id="{1D47F5B4-0B32-BB47-9DBB-C7DBB2E3E838}"/>
               </a:ext>
             </a:extLst>
           </p:cNvPr>
@@ -2992,7 +2992,7 @@
             </a:lvl1pPr>
           </a:lstStyle>
           <a:p>
-            <a:fld id="{EC076AD3-2811-4E61-AC5E-2E00EC0D90B4}" type="slidenum">
+            <a:fld id="{9E09F0A8-AE58-4BC2-A8D0-07D6485CCD29}" type="slidenum">
               <a:rPr lang="zh-CN" altLang="en-US" smtClean="0"/>
               <a:t>‹#›</a:t>
             </a:fld>
@@ -3003,7 +3003,7 @@
     </p:spTree>
     <p:extLst>
       <p:ext uri="{BB962C8B-B14F-4D97-AF65-F5344CB8AC3E}">
-        <p14:creationId xmlns:p14="http://schemas.microsoft.com/office/powerpoint/2010/main" val="539689615"/>
+        <p14:creationId xmlns:p14="http://schemas.microsoft.com/office/powerpoint/2010/main" val="1915798066"/>
       </p:ext>
     </p:extLst>
   </p:cSld>
